--- a/resources/HibernatePresentation.pptx
+++ b/resources/HibernatePresentation.pptx
@@ -5,18 +5,16 @@
     <p:sldMasterId id="2147483648" r:id="rId1"/>
   </p:sldMasterIdLst>
   <p:notesMasterIdLst>
-    <p:notesMasterId r:id="rId11"/>
+    <p:notesMasterId r:id="rId9"/>
   </p:notesMasterIdLst>
   <p:sldIdLst>
     <p:sldId id="256" r:id="rId2"/>
-    <p:sldId id="257" r:id="rId3"/>
-    <p:sldId id="258" r:id="rId4"/>
-    <p:sldId id="259" r:id="rId5"/>
-    <p:sldId id="262" r:id="rId6"/>
-    <p:sldId id="263" r:id="rId7"/>
-    <p:sldId id="264" r:id="rId8"/>
-    <p:sldId id="261" r:id="rId9"/>
-    <p:sldId id="265" r:id="rId10"/>
+    <p:sldId id="258" r:id="rId3"/>
+    <p:sldId id="259" r:id="rId4"/>
+    <p:sldId id="262" r:id="rId5"/>
+    <p:sldId id="263" r:id="rId6"/>
+    <p:sldId id="264" r:id="rId7"/>
+    <p:sldId id="261" r:id="rId8"/>
   </p:sldIdLst>
   <p:sldSz cx="12192000" cy="6858000"/>
   <p:notesSz cx="6858000" cy="9144000"/>
@@ -115,6 +113,11 @@
       </a:defRPr>
     </a:lvl9pPr>
   </p:defaultTextStyle>
+  <p:extLst>
+    <p:ext uri="{EFAFB233-063F-42B5-8137-9DF3F51BA10A}">
+      <p15:sldGuideLst xmlns:p15="http://schemas.microsoft.com/office/powerpoint/2012/main"/>
+    </p:ext>
+  </p:extLst>
 </p:presentation>
 </file>
 
@@ -200,7 +203,7 @@
           <a:p>
             <a:fld id="{37D24B15-8456-43E4-AA99-8C49B8531E43}" type="datetimeFigureOut">
               <a:rPr lang="de-DE" smtClean="0"/>
-              <a:t>12.11.2018</a:t>
+              <a:t>15.11.2018</a:t>
             </a:fld>
             <a:endParaRPr lang="de-DE"/>
           </a:p>
@@ -511,42 +514,6 @@
           <a:bodyPr/>
           <a:lstStyle/>
           <a:p>
-            <a:r>
-              <a:rPr lang="de-DE" dirty="0" err="1"/>
-              <a:t>Hibernate</a:t>
-            </a:r>
-            <a:r>
-              <a:rPr lang="de-DE" dirty="0"/>
-              <a:t> </a:t>
-            </a:r>
-            <a:r>
-              <a:rPr lang="de-DE" dirty="0" err="1"/>
-              <a:t>between</a:t>
-            </a:r>
-            <a:r>
-              <a:rPr lang="de-DE" dirty="0"/>
-              <a:t> Java Objects and RDBMs, </a:t>
-            </a:r>
-            <a:r>
-              <a:rPr lang="de-DE" dirty="0" err="1"/>
-              <a:t>to</a:t>
-            </a:r>
-            <a:r>
-              <a:rPr lang="de-DE" dirty="0"/>
-              <a:t> handle all </a:t>
-            </a:r>
-            <a:r>
-              <a:rPr lang="de-DE" dirty="0" err="1"/>
-              <a:t>the</a:t>
-            </a:r>
-            <a:r>
-              <a:rPr lang="de-DE" dirty="0"/>
-              <a:t> </a:t>
-            </a:r>
-            <a:r>
-              <a:rPr lang="de-DE" dirty="0" err="1"/>
-              <a:t>work</a:t>
-            </a:r>
             <a:endParaRPr lang="de-DE" dirty="0"/>
           </a:p>
         </p:txBody>
@@ -568,7 +535,7 @@
           <a:p>
             <a:fld id="{F96DA7E2-6A2E-4A81-9484-AAB55F89E120}" type="slidenum">
               <a:rPr lang="de-DE" smtClean="0"/>
-              <a:t>3</a:t>
+              <a:t>2</a:t>
             </a:fld>
             <a:endParaRPr lang="de-DE"/>
           </a:p>
@@ -631,28 +598,6 @@
           <a:bodyPr/>
           <a:lstStyle/>
           <a:p>
-            <a:r>
-              <a:rPr lang="de-DE" dirty="0"/>
-              <a:t>ORM, </a:t>
-            </a:r>
-            <a:r>
-              <a:rPr lang="de-DE" dirty="0" err="1"/>
-              <a:t>comes</a:t>
-            </a:r>
-            <a:r>
-              <a:rPr lang="de-DE" dirty="0"/>
-              <a:t> </a:t>
-            </a:r>
-            <a:r>
-              <a:rPr lang="de-DE" dirty="0" err="1"/>
-              <a:t>from</a:t>
-            </a:r>
-            <a:r>
-              <a:rPr lang="de-DE" dirty="0"/>
-              <a:t> Software Engineering</a:t>
-            </a:r>
-          </a:p>
-          <a:p>
             <a:endParaRPr lang="de-DE" dirty="0"/>
           </a:p>
         </p:txBody>
@@ -674,7 +619,7 @@
           <a:p>
             <a:fld id="{F96DA7E2-6A2E-4A81-9484-AAB55F89E120}" type="slidenum">
               <a:rPr lang="de-DE" smtClean="0"/>
-              <a:t>4</a:t>
+              <a:t>3</a:t>
             </a:fld>
             <a:endParaRPr lang="de-DE"/>
           </a:p>
@@ -737,167 +682,6 @@
           <a:bodyPr/>
           <a:lstStyle/>
           <a:p>
-            <a:r>
-              <a:rPr lang="de-DE" dirty="0"/>
-              <a:t>Method </a:t>
-            </a:r>
-            <a:r>
-              <a:rPr lang="de-DE" dirty="0" err="1"/>
-              <a:t>single</a:t>
-            </a:r>
-            <a:r>
-              <a:rPr lang="de-DE" dirty="0"/>
-              <a:t> </a:t>
-            </a:r>
-            <a:r>
-              <a:rPr lang="de-DE" dirty="0" err="1"/>
-              <a:t>table</a:t>
-            </a:r>
-            <a:endParaRPr lang="de-DE" dirty="0"/>
-          </a:p>
-          <a:p>
-            <a:r>
-              <a:rPr lang="de-DE" dirty="0"/>
-              <a:t>All </a:t>
-            </a:r>
-            <a:r>
-              <a:rPr lang="de-DE" dirty="0" err="1"/>
-              <a:t>atributes</a:t>
-            </a:r>
-            <a:r>
-              <a:rPr lang="de-DE" dirty="0"/>
-              <a:t> </a:t>
-            </a:r>
-            <a:r>
-              <a:rPr lang="de-DE" dirty="0" err="1"/>
-              <a:t>from</a:t>
-            </a:r>
-            <a:r>
-              <a:rPr lang="de-DE" dirty="0"/>
-              <a:t> </a:t>
-            </a:r>
-            <a:r>
-              <a:rPr lang="de-DE" dirty="0" err="1"/>
-              <a:t>the</a:t>
-            </a:r>
-            <a:r>
-              <a:rPr lang="de-DE" dirty="0"/>
-              <a:t> </a:t>
-            </a:r>
-            <a:r>
-              <a:rPr lang="de-DE" dirty="0" err="1"/>
-              <a:t>class</a:t>
-            </a:r>
-            <a:r>
-              <a:rPr lang="de-DE" dirty="0"/>
-              <a:t> and </a:t>
-            </a:r>
-            <a:r>
-              <a:rPr lang="de-DE" dirty="0" err="1"/>
-              <a:t>their</a:t>
-            </a:r>
-            <a:r>
-              <a:rPr lang="de-DE" dirty="0"/>
-              <a:t> </a:t>
-            </a:r>
-            <a:r>
-              <a:rPr lang="de-DE" dirty="0" err="1"/>
-              <a:t>subclasses</a:t>
-            </a:r>
-            <a:r>
-              <a:rPr lang="de-DE" dirty="0"/>
-              <a:t>  </a:t>
-            </a:r>
-            <a:r>
-              <a:rPr lang="de-DE" dirty="0" err="1"/>
-              <a:t>are</a:t>
-            </a:r>
-            <a:r>
-              <a:rPr lang="de-DE" dirty="0"/>
-              <a:t> </a:t>
-            </a:r>
-            <a:r>
-              <a:rPr lang="de-DE" dirty="0" err="1"/>
-              <a:t>safed</a:t>
-            </a:r>
-            <a:r>
-              <a:rPr lang="de-DE" dirty="0"/>
-              <a:t> in </a:t>
-            </a:r>
-            <a:r>
-              <a:rPr lang="de-DE" dirty="0" err="1"/>
-              <a:t>one</a:t>
-            </a:r>
-            <a:r>
-              <a:rPr lang="de-DE" dirty="0"/>
-              <a:t> </a:t>
-            </a:r>
-            <a:r>
-              <a:rPr lang="de-DE" dirty="0" err="1"/>
-              <a:t>table</a:t>
-            </a:r>
-            <a:r>
-              <a:rPr lang="de-DE" dirty="0"/>
-              <a:t>.</a:t>
-            </a:r>
-          </a:p>
-          <a:p>
-            <a:r>
-              <a:rPr lang="de-DE" dirty="0"/>
-              <a:t>Additional a </a:t>
-            </a:r>
-            <a:r>
-              <a:rPr lang="de-DE" dirty="0" err="1"/>
-              <a:t>special</a:t>
-            </a:r>
-            <a:r>
-              <a:rPr lang="de-DE" dirty="0"/>
-              <a:t> </a:t>
-            </a:r>
-            <a:r>
-              <a:rPr lang="de-DE" dirty="0" err="1"/>
-              <a:t>column</a:t>
-            </a:r>
-            <a:r>
-              <a:rPr lang="de-DE" dirty="0"/>
-              <a:t> </a:t>
-            </a:r>
-            <a:r>
-              <a:rPr lang="de-DE" dirty="0" err="1"/>
-              <a:t>where</a:t>
-            </a:r>
-            <a:r>
-              <a:rPr lang="de-DE" dirty="0"/>
-              <a:t> </a:t>
-            </a:r>
-            <a:r>
-              <a:rPr lang="de-DE" dirty="0" err="1"/>
-              <a:t>the</a:t>
-            </a:r>
-            <a:r>
-              <a:rPr lang="de-DE" dirty="0"/>
-              <a:t> </a:t>
-            </a:r>
-            <a:r>
-              <a:rPr lang="de-DE" dirty="0" err="1"/>
-              <a:t>class</a:t>
-            </a:r>
-            <a:r>
-              <a:rPr lang="de-DE" dirty="0"/>
-              <a:t> </a:t>
-            </a:r>
-            <a:r>
-              <a:rPr lang="de-DE" dirty="0" err="1"/>
-              <a:t>is</a:t>
-            </a:r>
-            <a:r>
-              <a:rPr lang="de-DE" dirty="0"/>
-              <a:t> </a:t>
-            </a:r>
-            <a:r>
-              <a:rPr lang="de-DE" dirty="0" err="1"/>
-              <a:t>defined</a:t>
-            </a:r>
             <a:endParaRPr lang="de-DE" dirty="0"/>
           </a:p>
         </p:txBody>
@@ -919,7 +703,7 @@
           <a:p>
             <a:fld id="{F96DA7E2-6A2E-4A81-9484-AAB55F89E120}" type="slidenum">
               <a:rPr lang="de-DE" smtClean="0"/>
-              <a:t>5</a:t>
+              <a:t>4</a:t>
             </a:fld>
             <a:endParaRPr lang="de-DE"/>
           </a:p>
@@ -982,101 +766,6 @@
           <a:bodyPr/>
           <a:lstStyle/>
           <a:p>
-            <a:r>
-              <a:rPr lang="de-DE" dirty="0" err="1"/>
-              <a:t>No</a:t>
-            </a:r>
-            <a:r>
-              <a:rPr lang="de-DE" dirty="0"/>
-              <a:t> </a:t>
-            </a:r>
-            <a:r>
-              <a:rPr lang="de-DE" dirty="0" err="1"/>
-              <a:t>need</a:t>
-            </a:r>
-            <a:r>
-              <a:rPr lang="de-DE" dirty="0"/>
-              <a:t> </a:t>
-            </a:r>
-            <a:r>
-              <a:rPr lang="de-DE" dirty="0" err="1"/>
-              <a:t>of</a:t>
-            </a:r>
-            <a:r>
-              <a:rPr lang="de-DE" dirty="0"/>
-              <a:t> a </a:t>
-            </a:r>
-            <a:r>
-              <a:rPr lang="de-DE" dirty="0" err="1"/>
-              <a:t>special</a:t>
-            </a:r>
-            <a:r>
-              <a:rPr lang="de-DE" dirty="0"/>
-              <a:t> </a:t>
-            </a:r>
-            <a:r>
-              <a:rPr lang="de-DE" dirty="0" err="1"/>
-              <a:t>column</a:t>
-            </a:r>
-            <a:endParaRPr lang="de-DE" dirty="0"/>
-          </a:p>
-          <a:p>
-            <a:r>
-              <a:rPr lang="de-DE" dirty="0"/>
-              <a:t>1 </a:t>
-            </a:r>
-            <a:r>
-              <a:rPr lang="de-DE" dirty="0" err="1"/>
-              <a:t>to</a:t>
-            </a:r>
-            <a:r>
-              <a:rPr lang="de-DE" dirty="0"/>
-              <a:t> 1 </a:t>
-            </a:r>
-            <a:r>
-              <a:rPr lang="de-DE" dirty="0" err="1"/>
-              <a:t>beziehung</a:t>
-            </a:r>
-            <a:r>
-              <a:rPr lang="de-DE" dirty="0"/>
-              <a:t> </a:t>
-            </a:r>
-            <a:r>
-              <a:rPr lang="de-DE" dirty="0" err="1"/>
-              <a:t>between</a:t>
-            </a:r>
-            <a:r>
-              <a:rPr lang="de-DE" dirty="0"/>
-              <a:t> </a:t>
-            </a:r>
-            <a:r>
-              <a:rPr lang="de-DE" dirty="0" err="1"/>
-              <a:t>the</a:t>
-            </a:r>
-            <a:r>
-              <a:rPr lang="de-DE" dirty="0"/>
-              <a:t> </a:t>
-            </a:r>
-            <a:r>
-              <a:rPr lang="de-DE" dirty="0" err="1"/>
-              <a:t>basisclass</a:t>
-            </a:r>
-            <a:r>
-              <a:rPr lang="de-DE" dirty="0"/>
-              <a:t> and </a:t>
-            </a:r>
-            <a:r>
-              <a:rPr lang="de-DE" dirty="0" err="1"/>
-              <a:t>the</a:t>
-            </a:r>
-            <a:r>
-              <a:rPr lang="de-DE" dirty="0"/>
-              <a:t> </a:t>
-            </a:r>
-            <a:r>
-              <a:rPr lang="de-DE" dirty="0" err="1"/>
-              <a:t>subclasses</a:t>
-            </a:r>
             <a:endParaRPr lang="de-DE" dirty="0"/>
           </a:p>
         </p:txBody>
@@ -1098,7 +787,7 @@
           <a:p>
             <a:fld id="{F96DA7E2-6A2E-4A81-9484-AAB55F89E120}" type="slidenum">
               <a:rPr lang="de-DE" smtClean="0"/>
-              <a:t>6</a:t>
+              <a:t>5</a:t>
             </a:fld>
             <a:endParaRPr lang="de-DE"/>
           </a:p>
@@ -1161,26 +850,6 @@
           <a:bodyPr/>
           <a:lstStyle/>
           <a:p>
-            <a:r>
-              <a:rPr lang="de-DE" dirty="0" err="1"/>
-              <a:t>No</a:t>
-            </a:r>
-            <a:r>
-              <a:rPr lang="de-DE" dirty="0"/>
-              <a:t> </a:t>
-            </a:r>
-            <a:r>
-              <a:rPr lang="de-DE" dirty="0" err="1"/>
-              <a:t>main</a:t>
-            </a:r>
-            <a:r>
-              <a:rPr lang="de-DE" dirty="0"/>
-              <a:t> </a:t>
-            </a:r>
-            <a:r>
-              <a:rPr lang="de-DE" dirty="0" err="1"/>
-              <a:t>class</a:t>
-            </a:r>
             <a:endParaRPr lang="de-DE" dirty="0"/>
           </a:p>
         </p:txBody>
@@ -1202,7 +871,7 @@
           <a:p>
             <a:fld id="{F96DA7E2-6A2E-4A81-9484-AAB55F89E120}" type="slidenum">
               <a:rPr lang="de-DE" smtClean="0"/>
-              <a:t>7</a:t>
+              <a:t>6</a:t>
             </a:fld>
             <a:endParaRPr lang="de-DE"/>
           </a:p>
@@ -1265,46 +934,6 @@
           <a:bodyPr/>
           <a:lstStyle/>
           <a:p>
-            <a:r>
-              <a:rPr lang="de-DE" dirty="0"/>
-              <a:t>- </a:t>
-            </a:r>
-            <a:r>
-              <a:rPr lang="de-DE" dirty="0" err="1"/>
-              <a:t>Objexts</a:t>
-            </a:r>
-            <a:r>
-              <a:rPr lang="de-DE" dirty="0"/>
-              <a:t> </a:t>
-            </a:r>
-            <a:r>
-              <a:rPr lang="de-DE" dirty="0" err="1"/>
-              <a:t>directly</a:t>
-            </a:r>
-            <a:r>
-              <a:rPr lang="de-DE" dirty="0"/>
-              <a:t> </a:t>
-            </a:r>
-            <a:r>
-              <a:rPr lang="de-DE" dirty="0" err="1"/>
-              <a:t>from</a:t>
-            </a:r>
-            <a:r>
-              <a:rPr lang="de-DE" dirty="0"/>
-              <a:t> </a:t>
-            </a:r>
-            <a:r>
-              <a:rPr lang="de-DE" dirty="0" err="1"/>
-              <a:t>the</a:t>
-            </a:r>
-            <a:r>
-              <a:rPr lang="de-DE" dirty="0"/>
-              <a:t> </a:t>
-            </a:r>
-            <a:r>
-              <a:rPr lang="de-DE" dirty="0" err="1"/>
-              <a:t>database</a:t>
-            </a:r>
             <a:endParaRPr lang="de-DE" dirty="0"/>
           </a:p>
         </p:txBody>
@@ -1326,7 +955,7 @@
           <a:p>
             <a:fld id="{F96DA7E2-6A2E-4A81-9484-AAB55F89E120}" type="slidenum">
               <a:rPr lang="de-DE" smtClean="0"/>
-              <a:t>8</a:t>
+              <a:t>7</a:t>
             </a:fld>
             <a:endParaRPr lang="de-DE"/>
           </a:p>
@@ -1571,7 +1200,7 @@
           <a:p>
             <a:fld id="{96DFF08F-DC6B-4601-B491-B0F83F6DD2DA}" type="datetimeFigureOut">
               <a:rPr lang="en-US" dirty="0"/>
-              <a:t>11/12/2018</a:t>
+              <a:t>11/15/2018</a:t>
             </a:fld>
             <a:endParaRPr lang="en-US" dirty="0"/>
           </a:p>
@@ -1774,7 +1403,7 @@
           <a:p>
             <a:fld id="{96DFF08F-DC6B-4601-B491-B0F83F6DD2DA}" type="datetimeFigureOut">
               <a:rPr lang="en-US" dirty="0"/>
-              <a:t>11/12/2018</a:t>
+              <a:t>11/15/2018</a:t>
             </a:fld>
             <a:endParaRPr lang="en-US" dirty="0"/>
           </a:p>
@@ -2025,7 +1654,7 @@
           <a:p>
             <a:fld id="{96DFF08F-DC6B-4601-B491-B0F83F6DD2DA}" type="datetimeFigureOut">
               <a:rPr lang="en-US" dirty="0"/>
-              <a:t>11/12/2018</a:t>
+              <a:t>11/15/2018</a:t>
             </a:fld>
             <a:endParaRPr lang="en-US" dirty="0"/>
           </a:p>
@@ -2190,7 +1819,7 @@
           <a:p>
             <a:fld id="{D62CEF3B-A037-46D0-B02C-1428F07E9383}" type="datetimeFigureOut">
               <a:rPr lang="en-US" dirty="0"/>
-              <a:t>11/12/2018</a:t>
+              <a:t>11/15/2018</a:t>
             </a:fld>
             <a:endParaRPr lang="en-US" dirty="0"/>
           </a:p>
@@ -2528,7 +2157,7 @@
           <a:p>
             <a:fld id="{96DFF08F-DC6B-4601-B491-B0F83F6DD2DA}" type="datetimeFigureOut">
               <a:rPr lang="en-US" dirty="0"/>
-              <a:t>11/12/2018</a:t>
+              <a:t>11/15/2018</a:t>
             </a:fld>
             <a:endParaRPr lang="en-US" dirty="0"/>
           </a:p>
@@ -2798,7 +2427,7 @@
           <a:p>
             <a:fld id="{96DFF08F-DC6B-4601-B491-B0F83F6DD2DA}" type="datetimeFigureOut">
               <a:rPr lang="en-US" dirty="0"/>
-              <a:t>11/12/2018</a:t>
+              <a:t>11/15/2018</a:t>
             </a:fld>
             <a:endParaRPr lang="en-US" dirty="0"/>
           </a:p>
@@ -3172,7 +2801,7 @@
           <a:p>
             <a:fld id="{96DFF08F-DC6B-4601-B491-B0F83F6DD2DA}" type="datetimeFigureOut">
               <a:rPr lang="en-US" dirty="0"/>
-              <a:t>11/12/2018</a:t>
+              <a:t>11/15/2018</a:t>
             </a:fld>
             <a:endParaRPr lang="en-US" dirty="0"/>
           </a:p>
@@ -3285,7 +2914,7 @@
           <a:p>
             <a:fld id="{96DFF08F-DC6B-4601-B491-B0F83F6DD2DA}" type="datetimeFigureOut">
               <a:rPr lang="en-US" dirty="0"/>
-              <a:t>11/12/2018</a:t>
+              <a:t>11/15/2018</a:t>
             </a:fld>
             <a:endParaRPr lang="en-US" dirty="0"/>
           </a:p>
@@ -3452,7 +3081,7 @@
             <a:fld id="{96DFF08F-DC6B-4601-B491-B0F83F6DD2DA}" type="datetimeFigureOut">
               <a:rPr lang="en-US" dirty="0"/>
               <a:pPr/>
-              <a:t>11/12/2018</a:t>
+              <a:t>11/15/2018</a:t>
             </a:fld>
             <a:endParaRPr lang="en-US" dirty="0"/>
           </a:p>
@@ -3803,7 +3432,7 @@
             <a:fld id="{96DFF08F-DC6B-4601-B491-B0F83F6DD2DA}" type="datetimeFigureOut">
               <a:rPr lang="en-US" dirty="0"/>
               <a:pPr/>
-              <a:t>11/12/2018</a:t>
+              <a:t>11/15/2018</a:t>
             </a:fld>
             <a:endParaRPr lang="en-US" dirty="0"/>
           </a:p>
@@ -4176,7 +3805,7 @@
           <a:p>
             <a:fld id="{96DFF08F-DC6B-4601-B491-B0F83F6DD2DA}" type="datetimeFigureOut">
               <a:rPr lang="en-US" dirty="0"/>
-              <a:t>11/12/2018</a:t>
+              <a:t>11/15/2018</a:t>
             </a:fld>
             <a:endParaRPr lang="en-US" dirty="0"/>
           </a:p>
@@ -4459,7 +4088,7 @@
             <a:fld id="{96DFF08F-DC6B-4601-B491-B0F83F6DD2DA}" type="datetimeFigureOut">
               <a:rPr lang="en-US" dirty="0"/>
               <a:pPr/>
-              <a:t>11/12/2018</a:t>
+              <a:t>11/15/2018</a:t>
             </a:fld>
             <a:endParaRPr lang="en-US" dirty="0"/>
           </a:p>
@@ -5085,86 +4714,6 @@
           <p:cNvPr id="2" name="Titel 1">
             <a:extLst>
               <a:ext uri="{FF2B5EF4-FFF2-40B4-BE49-F238E27FC236}">
-                <a16:creationId xmlns:a16="http://schemas.microsoft.com/office/drawing/2014/main" id="{EC50345B-64A6-4490-9D08-486124B1B31B}"/>
-              </a:ext>
-            </a:extLst>
-          </p:cNvPr>
-          <p:cNvSpPr>
-            <a:spLocks noGrp="1"/>
-          </p:cNvSpPr>
-          <p:nvPr>
-            <p:ph type="title"/>
-          </p:nvPr>
-        </p:nvSpPr>
-        <p:spPr/>
-        <p:txBody>
-          <a:bodyPr/>
-          <a:lstStyle/>
-          <a:p>
-            <a:endParaRPr lang="en-GB" noProof="0" dirty="0"/>
-          </a:p>
-        </p:txBody>
-      </p:sp>
-      <p:sp>
-        <p:nvSpPr>
-          <p:cNvPr id="3" name="Inhaltsplatzhalter 2">
-            <a:extLst>
-              <a:ext uri="{FF2B5EF4-FFF2-40B4-BE49-F238E27FC236}">
-                <a16:creationId xmlns:a16="http://schemas.microsoft.com/office/drawing/2014/main" id="{F8ACA1E2-477F-4901-8F45-5792AD7955A4}"/>
-              </a:ext>
-            </a:extLst>
-          </p:cNvPr>
-          <p:cNvSpPr>
-            <a:spLocks noGrp="1"/>
-          </p:cNvSpPr>
-          <p:nvPr>
-            <p:ph idx="1"/>
-          </p:nvPr>
-        </p:nvSpPr>
-        <p:spPr/>
-        <p:txBody>
-          <a:bodyPr/>
-          <a:lstStyle/>
-          <a:p>
-            <a:endParaRPr lang="de-DE"/>
-          </a:p>
-        </p:txBody>
-      </p:sp>
-    </p:spTree>
-    <p:extLst>
-      <p:ext uri="{BB962C8B-B14F-4D97-AF65-F5344CB8AC3E}">
-        <p14:creationId xmlns:p14="http://schemas.microsoft.com/office/powerpoint/2010/main" val="1100198273"/>
-      </p:ext>
-    </p:extLst>
-  </p:cSld>
-  <p:clrMapOvr>
-    <a:masterClrMapping/>
-  </p:clrMapOvr>
-</p:sld>
-</file>
-
-<file path=ppt/slides/slide3.xml><?xml version="1.0" encoding="utf-8"?>
-<p:sld xmlns:a="http://schemas.openxmlformats.org/drawingml/2006/main" xmlns:r="http://schemas.openxmlformats.org/officeDocument/2006/relationships" xmlns:p="http://schemas.openxmlformats.org/presentationml/2006/main">
-  <p:cSld>
-    <p:spTree>
-      <p:nvGrpSpPr>
-        <p:cNvPr id="1" name=""/>
-        <p:cNvGrpSpPr/>
-        <p:nvPr/>
-      </p:nvGrpSpPr>
-      <p:grpSpPr>
-        <a:xfrm>
-          <a:off x="0" y="0"/>
-          <a:ext cx="0" cy="0"/>
-          <a:chOff x="0" y="0"/>
-          <a:chExt cx="0" cy="0"/>
-        </a:xfrm>
-      </p:grpSpPr>
-      <p:sp>
-        <p:nvSpPr>
-          <p:cNvPr id="2" name="Titel 1">
-            <a:extLst>
-              <a:ext uri="{FF2B5EF4-FFF2-40B4-BE49-F238E27FC236}">
                 <a16:creationId xmlns:a16="http://schemas.microsoft.com/office/drawing/2014/main" id="{9A223A86-64B8-4E42-818D-A11C9DDD6D6B}"/>
               </a:ext>
             </a:extLst>
@@ -5301,7 +4850,7 @@
 </p:sld>
 </file>
 
-<file path=ppt/slides/slide4.xml><?xml version="1.0" encoding="utf-8"?>
+<file path=ppt/slides/slide3.xml><?xml version="1.0" encoding="utf-8"?>
 <p:sld xmlns:a="http://schemas.openxmlformats.org/drawingml/2006/main" xmlns:r="http://schemas.openxmlformats.org/officeDocument/2006/relationships" xmlns:p="http://schemas.openxmlformats.org/presentationml/2006/main">
   <p:cSld>
     <p:spTree>
@@ -5449,7 +4998,7 @@
 </p:sld>
 </file>
 
-<file path=ppt/slides/slide5.xml><?xml version="1.0" encoding="utf-8"?>
+<file path=ppt/slides/slide4.xml><?xml version="1.0" encoding="utf-8"?>
 <p:sld xmlns:a="http://schemas.openxmlformats.org/drawingml/2006/main" xmlns:r="http://schemas.openxmlformats.org/officeDocument/2006/relationships" xmlns:p="http://schemas.openxmlformats.org/presentationml/2006/main">
   <p:cSld>
     <p:spTree>
@@ -5574,7 +5123,7 @@
 </p:sld>
 </file>
 
-<file path=ppt/slides/slide6.xml><?xml version="1.0" encoding="utf-8"?>
+<file path=ppt/slides/slide5.xml><?xml version="1.0" encoding="utf-8"?>
 <p:sld xmlns:a="http://schemas.openxmlformats.org/drawingml/2006/main" xmlns:r="http://schemas.openxmlformats.org/officeDocument/2006/relationships" xmlns:p="http://schemas.openxmlformats.org/presentationml/2006/main">
   <p:cSld>
     <p:spTree>
@@ -5708,7 +5257,7 @@
 </p:sld>
 </file>
 
-<file path=ppt/slides/slide7.xml><?xml version="1.0" encoding="utf-8"?>
+<file path=ppt/slides/slide6.xml><?xml version="1.0" encoding="utf-8"?>
 <p:sld xmlns:a="http://schemas.openxmlformats.org/drawingml/2006/main" xmlns:r="http://schemas.openxmlformats.org/officeDocument/2006/relationships" xmlns:p="http://schemas.openxmlformats.org/presentationml/2006/main">
   <p:cSld>
     <p:spTree>
@@ -5842,7 +5391,7 @@
 </p:sld>
 </file>
 
-<file path=ppt/slides/slide8.xml><?xml version="1.0" encoding="utf-8"?>
+<file path=ppt/slides/slide7.xml><?xml version="1.0" encoding="utf-8"?>
 <p:sld xmlns:a="http://schemas.openxmlformats.org/drawingml/2006/main" xmlns:r="http://schemas.openxmlformats.org/officeDocument/2006/relationships" xmlns:p="http://schemas.openxmlformats.org/presentationml/2006/main">
   <p:cSld>
     <p:spTree>
@@ -6018,86 +5567,6 @@
     <p:extLst>
       <p:ext uri="{BB962C8B-B14F-4D97-AF65-F5344CB8AC3E}">
         <p14:creationId xmlns:p14="http://schemas.microsoft.com/office/powerpoint/2010/main" val="2218122902"/>
-      </p:ext>
-    </p:extLst>
-  </p:cSld>
-  <p:clrMapOvr>
-    <a:masterClrMapping/>
-  </p:clrMapOvr>
-</p:sld>
-</file>
-
-<file path=ppt/slides/slide9.xml><?xml version="1.0" encoding="utf-8"?>
-<p:sld xmlns:a="http://schemas.openxmlformats.org/drawingml/2006/main" xmlns:r="http://schemas.openxmlformats.org/officeDocument/2006/relationships" xmlns:p="http://schemas.openxmlformats.org/presentationml/2006/main">
-  <p:cSld>
-    <p:spTree>
-      <p:nvGrpSpPr>
-        <p:cNvPr id="1" name=""/>
-        <p:cNvGrpSpPr/>
-        <p:nvPr/>
-      </p:nvGrpSpPr>
-      <p:grpSpPr>
-        <a:xfrm>
-          <a:off x="0" y="0"/>
-          <a:ext cx="0" cy="0"/>
-          <a:chOff x="0" y="0"/>
-          <a:chExt cx="0" cy="0"/>
-        </a:xfrm>
-      </p:grpSpPr>
-      <p:sp>
-        <p:nvSpPr>
-          <p:cNvPr id="2" name="Titel 1">
-            <a:extLst>
-              <a:ext uri="{FF2B5EF4-FFF2-40B4-BE49-F238E27FC236}">
-                <a16:creationId xmlns:a16="http://schemas.microsoft.com/office/drawing/2014/main" id="{BD0274A2-4608-498C-A00B-43A99E12ED75}"/>
-              </a:ext>
-            </a:extLst>
-          </p:cNvPr>
-          <p:cNvSpPr>
-            <a:spLocks noGrp="1"/>
-          </p:cNvSpPr>
-          <p:nvPr>
-            <p:ph type="title"/>
-          </p:nvPr>
-        </p:nvSpPr>
-        <p:spPr/>
-        <p:txBody>
-          <a:bodyPr/>
-          <a:lstStyle/>
-          <a:p>
-            <a:endParaRPr lang="en-GB" noProof="0" dirty="0"/>
-          </a:p>
-        </p:txBody>
-      </p:sp>
-      <p:sp>
-        <p:nvSpPr>
-          <p:cNvPr id="3" name="Inhaltsplatzhalter 2">
-            <a:extLst>
-              <a:ext uri="{FF2B5EF4-FFF2-40B4-BE49-F238E27FC236}">
-                <a16:creationId xmlns:a16="http://schemas.microsoft.com/office/drawing/2014/main" id="{BACEE6D4-00C2-4DA0-9652-15790FEB3632}"/>
-              </a:ext>
-            </a:extLst>
-          </p:cNvPr>
-          <p:cNvSpPr>
-            <a:spLocks noGrp="1"/>
-          </p:cNvSpPr>
-          <p:nvPr>
-            <p:ph idx="1"/>
-          </p:nvPr>
-        </p:nvSpPr>
-        <p:spPr/>
-        <p:txBody>
-          <a:bodyPr/>
-          <a:lstStyle/>
-          <a:p>
-            <a:endParaRPr lang="de-DE"/>
-          </a:p>
-        </p:txBody>
-      </p:sp>
-    </p:spTree>
-    <p:extLst>
-      <p:ext uri="{BB962C8B-B14F-4D97-AF65-F5344CB8AC3E}">
-        <p14:creationId xmlns:p14="http://schemas.microsoft.com/office/powerpoint/2010/main" val="3113031328"/>
       </p:ext>
     </p:extLst>
   </p:cSld>
